--- a/GreatOutdoors-Madhuri.pptx
+++ b/GreatOutdoors-Madhuri.pptx
@@ -6,14 +6,15 @@
   </p:sldMasterIdLst>
   <p:sldIdLst>
     <p:sldId id="256" r:id="rId2"/>
-    <p:sldId id="263" r:id="rId3"/>
-    <p:sldId id="264" r:id="rId4"/>
-    <p:sldId id="265" r:id="rId5"/>
-    <p:sldId id="259" r:id="rId6"/>
-    <p:sldId id="261" r:id="rId7"/>
-    <p:sldId id="262" r:id="rId8"/>
-    <p:sldId id="260" r:id="rId9"/>
-    <p:sldId id="257" r:id="rId10"/>
+    <p:sldId id="266" r:id="rId3"/>
+    <p:sldId id="263" r:id="rId4"/>
+    <p:sldId id="264" r:id="rId5"/>
+    <p:sldId id="265" r:id="rId6"/>
+    <p:sldId id="259" r:id="rId7"/>
+    <p:sldId id="261" r:id="rId8"/>
+    <p:sldId id="262" r:id="rId9"/>
+    <p:sldId id="260" r:id="rId10"/>
+    <p:sldId id="257" r:id="rId11"/>
   </p:sldIdLst>
   <p:sldSz cx="12192000" cy="6858000"/>
   <p:notesSz cx="6858000" cy="9144000"/>
@@ -3582,6 +3583,114 @@
 </p:sld>
 </file>
 
+<file path=ppt/slides/slide10.xml><?xml version="1.0" encoding="utf-8"?>
+<p:sld xmlns:a="http://schemas.openxmlformats.org/drawingml/2006/main" xmlns:r="http://schemas.openxmlformats.org/officeDocument/2006/relationships" xmlns:p="http://schemas.openxmlformats.org/presentationml/2006/main">
+  <p:cSld>
+    <p:spTree>
+      <p:nvGrpSpPr>
+        <p:cNvPr id="1" name=""/>
+        <p:cNvGrpSpPr/>
+        <p:nvPr/>
+      </p:nvGrpSpPr>
+      <p:grpSpPr>
+        <a:xfrm>
+          <a:off x="0" y="0"/>
+          <a:ext cx="0" cy="0"/>
+          <a:chOff x="0" y="0"/>
+          <a:chExt cx="0" cy="0"/>
+        </a:xfrm>
+      </p:grpSpPr>
+      <p:sp>
+        <p:nvSpPr>
+          <p:cNvPr id="2" name="Title 1"/>
+          <p:cNvSpPr>
+            <a:spLocks noGrp="1"/>
+          </p:cNvSpPr>
+          <p:nvPr>
+            <p:ph type="title"/>
+          </p:nvPr>
+        </p:nvSpPr>
+        <p:spPr>
+          <a:xfrm>
+            <a:off x="1031383" y="149068"/>
+            <a:ext cx="10515600" cy="1325563"/>
+          </a:xfrm>
+        </p:spPr>
+        <p:txBody>
+          <a:bodyPr>
+            <a:normAutofit/>
+          </a:bodyPr>
+          <a:lstStyle/>
+          <a:p>
+            <a:pPr algn="ctr"/>
+            <a:r>
+              <a:rPr lang="en-IN" dirty="0" smtClean="0">
+                <a:latin typeface="Times New Roman" panose="02020603050405020304" pitchFamily="18" charset="0"/>
+                <a:cs typeface="Times New Roman" panose="02020603050405020304" pitchFamily="18" charset="0"/>
+              </a:rPr>
+              <a:t>Sequence Diagram for Salesman to upload offline orders</a:t>
+            </a:r>
+            <a:endParaRPr lang="en-IN" dirty="0">
+              <a:latin typeface="Times New Roman" panose="02020603050405020304" pitchFamily="18" charset="0"/>
+              <a:cs typeface="Times New Roman" panose="02020603050405020304" pitchFamily="18" charset="0"/>
+            </a:endParaRPr>
+          </a:p>
+        </p:txBody>
+      </p:sp>
+      <p:pic>
+        <p:nvPicPr>
+          <p:cNvPr id="3" name="Picture 2" descr="https://documents.lucidchart.com/documents/d46a9571-cc05-41a9-9c69-4d067ffa3e5d/pages/0_0?a=2416&amp;x=-35&amp;y=115&amp;w=1588&amp;h=990&amp;store=1&amp;accept=image%2F*&amp;auth=LCA%206f1d4785f92f6beabc9cb9d1b4c7cd6b4329ab0f-ts%3D1568603562"/>
+          <p:cNvPicPr>
+            <a:picLocks noChangeAspect="1" noChangeArrowheads="1"/>
+          </p:cNvPicPr>
+          <p:nvPr/>
+        </p:nvPicPr>
+        <p:blipFill>
+          <a:blip r:embed="rId2">
+            <a:extLst>
+              <a:ext uri="{28A0092B-C50C-407E-A947-70E740481C1C}">
+                <a14:useLocalDpi xmlns:a14="http://schemas.microsoft.com/office/drawing/2010/main" val="0"/>
+              </a:ext>
+            </a:extLst>
+          </a:blip>
+          <a:srcRect/>
+          <a:stretch>
+            <a:fillRect/>
+          </a:stretch>
+        </p:blipFill>
+        <p:spPr bwMode="auto">
+          <a:xfrm>
+            <a:off x="1391253" y="1388134"/>
+            <a:ext cx="8457084" cy="5275914"/>
+          </a:xfrm>
+          <a:prstGeom prst="rect">
+            <a:avLst/>
+          </a:prstGeom>
+          <a:noFill/>
+          <a:extLst>
+            <a:ext uri="{909E8E84-426E-40DD-AFC4-6F175D3DCCD1}">
+              <a14:hiddenFill xmlns:a14="http://schemas.microsoft.com/office/drawing/2010/main">
+                <a:solidFill>
+                  <a:srgbClr val="FFFFFF"/>
+                </a:solidFill>
+              </a14:hiddenFill>
+            </a:ext>
+          </a:extLst>
+        </p:spPr>
+      </p:pic>
+    </p:spTree>
+    <p:extLst>
+      <p:ext uri="{BB962C8B-B14F-4D97-AF65-F5344CB8AC3E}">
+        <p14:creationId xmlns:p14="http://schemas.microsoft.com/office/powerpoint/2010/main" val="3848257731"/>
+      </p:ext>
+    </p:extLst>
+  </p:cSld>
+  <p:clrMapOvr>
+    <a:masterClrMapping/>
+  </p:clrMapOvr>
+</p:sld>
+</file>
+
 <file path=ppt/slides/slide2.xml><?xml version="1.0" encoding="utf-8"?>
 <p:sld xmlns:a="http://schemas.openxmlformats.org/drawingml/2006/main" xmlns:r="http://schemas.openxmlformats.org/officeDocument/2006/relationships" xmlns:p="http://schemas.openxmlformats.org/presentationml/2006/main">
   <p:cSld>
@@ -3599,39 +3708,9 @@
           <a:chExt cx="0" cy="0"/>
         </a:xfrm>
       </p:grpSpPr>
-      <p:pic>
-        <p:nvPicPr>
-          <p:cNvPr id="2" name="Picture 1" descr="A close up of a map&#10;&#10;Description generated with high confidence">
-            <a:extLst>
-              <a:ext uri="{FF2B5EF4-FFF2-40B4-BE49-F238E27FC236}">
-                <a16:creationId xmlns="" xmlns:a16="http://schemas.microsoft.com/office/drawing/2014/main" xmlns:lc="http://schemas.openxmlformats.org/drawingml/2006/lockedCanvas" id="{2CBA1176-2A8C-4BE9-99DB-2AE56931C657}"/>
-              </a:ext>
-            </a:extLst>
-          </p:cNvPr>
-          <p:cNvPicPr>
-            <a:picLocks noChangeAspect="1"/>
-          </p:cNvPicPr>
-          <p:nvPr/>
-        </p:nvPicPr>
-        <p:blipFill>
-          <a:blip r:embed="rId2"/>
-          <a:stretch>
-            <a:fillRect/>
-          </a:stretch>
-        </p:blipFill>
-        <p:spPr>
-          <a:xfrm>
-            <a:off x="1777366" y="592700"/>
-            <a:ext cx="7890294" cy="6265300"/>
-          </a:xfrm>
-          <a:prstGeom prst="rect">
-            <a:avLst/>
-          </a:prstGeom>
-        </p:spPr>
-      </p:pic>
-      <p:sp>
-        <p:nvSpPr>
-          <p:cNvPr id="11" name="Title 10"/>
+      <p:sp>
+        <p:nvSpPr>
+          <p:cNvPr id="2" name="Title 1"/>
           <p:cNvSpPr>
             <a:spLocks noGrp="1"/>
           </p:cNvSpPr>
@@ -3639,21 +3718,61 @@
             <p:ph type="title"/>
           </p:nvPr>
         </p:nvSpPr>
-        <p:spPr>
-          <a:xfrm>
-            <a:off x="-24980" y="0"/>
-            <a:ext cx="9692640" cy="642982"/>
-          </a:xfrm>
-        </p:spPr>
-        <p:txBody>
-          <a:bodyPr>
-            <a:normAutofit fontScale="90000"/>
-          </a:bodyPr>
-          <a:lstStyle/>
-          <a:p>
-            <a:r>
-              <a:rPr lang="en-IN" dirty="0" smtClean="0"/>
-              <a:t>Use Case Diagram - Admin</a:t>
+        <p:spPr/>
+        <p:txBody>
+          <a:bodyPr/>
+          <a:lstStyle/>
+          <a:p>
+            <a:r>
+              <a:rPr lang="en-US" dirty="0" smtClean="0"/>
+              <a:t>TEAM A</a:t>
+            </a:r>
+            <a:endParaRPr lang="en-IN" dirty="0"/>
+          </a:p>
+        </p:txBody>
+      </p:sp>
+      <p:sp>
+        <p:nvSpPr>
+          <p:cNvPr id="3" name="Content Placeholder 2"/>
+          <p:cNvSpPr>
+            <a:spLocks noGrp="1"/>
+          </p:cNvSpPr>
+          <p:nvPr>
+            <p:ph idx="1"/>
+          </p:nvPr>
+        </p:nvSpPr>
+        <p:spPr/>
+        <p:txBody>
+          <a:bodyPr/>
+          <a:lstStyle/>
+          <a:p>
+            <a:r>
+              <a:rPr lang="en-US" dirty="0" smtClean="0"/>
+              <a:t>Madhuri Vemulapaty</a:t>
+            </a:r>
+          </a:p>
+          <a:p>
+            <a:r>
+              <a:rPr lang="en-US" dirty="0" smtClean="0"/>
+              <a:t>Ankush Agrawal</a:t>
+            </a:r>
+          </a:p>
+          <a:p>
+            <a:r>
+              <a:rPr lang="en-US" dirty="0" smtClean="0"/>
+              <a:t>Shreyash Pandey</a:t>
+            </a:r>
+          </a:p>
+          <a:p>
+            <a:r>
+              <a:rPr lang="en-US" dirty="0" smtClean="0"/>
+              <a:t>Sourav Maji</a:t>
+            </a:r>
+          </a:p>
+          <a:p>
+            <a:r>
+              <a:rPr lang="en-US" dirty="0" smtClean="0"/>
+              <a:t>Sarthak Lav</a:t>
             </a:r>
             <a:endParaRPr lang="en-IN" dirty="0"/>
           </a:p>
@@ -3662,7 +3781,7 @@
     </p:spTree>
     <p:extLst>
       <p:ext uri="{BB962C8B-B14F-4D97-AF65-F5344CB8AC3E}">
-        <p14:creationId xmlns:p14="http://schemas.microsoft.com/office/powerpoint/2010/main" val="3822578084"/>
+        <p14:creationId xmlns:p14="http://schemas.microsoft.com/office/powerpoint/2010/main" val="430473498"/>
       </p:ext>
     </p:extLst>
   </p:cSld>
@@ -3694,7 +3813,7 @@
           <p:cNvPr id="2" name="Picture 1" descr="A close up of a map&#10;&#10;Description generated with high confidence">
             <a:extLst>
               <a:ext uri="{FF2B5EF4-FFF2-40B4-BE49-F238E27FC236}">
-                <a16:creationId xmlns="" xmlns:a16="http://schemas.microsoft.com/office/drawing/2014/main" xmlns:lc="http://schemas.openxmlformats.org/drawingml/2006/lockedCanvas" id="{262376CC-5C18-41A2-8E11-40AD854DFE4C}"/>
+                <a16:creationId xmlns:lc="http://schemas.openxmlformats.org/drawingml/2006/lockedCanvas" xmlns:a16="http://schemas.microsoft.com/office/drawing/2014/main" xmlns="" id="{2CBA1176-2A8C-4BE9-99DB-2AE56931C657}"/>
               </a:ext>
             </a:extLst>
           </p:cNvPr>
@@ -3711,8 +3830,8 @@
         </p:blipFill>
         <p:spPr>
           <a:xfrm>
-            <a:off x="2107722" y="602786"/>
-            <a:ext cx="7976556" cy="5652429"/>
+            <a:off x="1777366" y="592700"/>
+            <a:ext cx="7890294" cy="6265300"/>
           </a:xfrm>
           <a:prstGeom prst="rect">
             <a:avLst/>
@@ -3721,7 +3840,7 @@
       </p:pic>
       <p:sp>
         <p:nvSpPr>
-          <p:cNvPr id="3" name="Title 2"/>
+          <p:cNvPr id="11" name="Title 10"/>
           <p:cNvSpPr>
             <a:spLocks noGrp="1"/>
           </p:cNvSpPr>
@@ -3731,8 +3850,8 @@
         </p:nvSpPr>
         <p:spPr>
           <a:xfrm>
-            <a:off x="0" y="44805"/>
-            <a:ext cx="9692640" cy="557981"/>
+            <a:off x="-24980" y="0"/>
+            <a:ext cx="9692640" cy="642982"/>
           </a:xfrm>
         </p:spPr>
         <p:txBody>
@@ -3743,15 +3862,7 @@
           <a:p>
             <a:r>
               <a:rPr lang="en-IN" dirty="0" smtClean="0"/>
-              <a:t>Use Case </a:t>
-            </a:r>
-            <a:r>
-              <a:rPr lang="en-IN" dirty="0"/>
-              <a:t>D</a:t>
-            </a:r>
-            <a:r>
-              <a:rPr lang="en-IN" dirty="0" smtClean="0"/>
-              <a:t>iagram – Salesperson</a:t>
+              <a:t>Use Case Diagram - Admin</a:t>
             </a:r>
             <a:endParaRPr lang="en-IN" dirty="0"/>
           </a:p>
@@ -3760,7 +3871,7 @@
     </p:spTree>
     <p:extLst>
       <p:ext uri="{BB962C8B-B14F-4D97-AF65-F5344CB8AC3E}">
-        <p14:creationId xmlns:p14="http://schemas.microsoft.com/office/powerpoint/2010/main" val="1262145390"/>
+        <p14:creationId xmlns:p14="http://schemas.microsoft.com/office/powerpoint/2010/main" val="3822578084"/>
       </p:ext>
     </p:extLst>
   </p:cSld>
@@ -3792,7 +3903,7 @@
           <p:cNvPr id="2" name="Picture 1" descr="A close up of a map&#10;&#10;Description generated with high confidence">
             <a:extLst>
               <a:ext uri="{FF2B5EF4-FFF2-40B4-BE49-F238E27FC236}">
-                <a16:creationId xmlns="" xmlns:a16="http://schemas.microsoft.com/office/drawing/2014/main" xmlns:lc="http://schemas.openxmlformats.org/drawingml/2006/lockedCanvas" id="{99EDCDC5-0C2B-4A72-AC70-4FBC0D1550DC}"/>
+                <a16:creationId xmlns:lc="http://schemas.openxmlformats.org/drawingml/2006/lockedCanvas" xmlns:a16="http://schemas.microsoft.com/office/drawing/2014/main" xmlns="" id="{262376CC-5C18-41A2-8E11-40AD854DFE4C}"/>
               </a:ext>
             </a:extLst>
           </p:cNvPr>
@@ -3809,8 +3920,8 @@
         </p:blipFill>
         <p:spPr>
           <a:xfrm>
-            <a:off x="2467155" y="622825"/>
-            <a:ext cx="7257690" cy="5612350"/>
+            <a:off x="2107722" y="602786"/>
+            <a:ext cx="7976556" cy="5652429"/>
           </a:xfrm>
           <a:prstGeom prst="rect">
             <a:avLst/>
@@ -3819,7 +3930,7 @@
       </p:pic>
       <p:sp>
         <p:nvSpPr>
-          <p:cNvPr id="4" name="Title 3"/>
+          <p:cNvPr id="3" name="Title 2"/>
           <p:cNvSpPr>
             <a:spLocks noGrp="1"/>
           </p:cNvSpPr>
@@ -3829,8 +3940,8 @@
         </p:nvSpPr>
         <p:spPr>
           <a:xfrm>
-            <a:off x="0" y="0"/>
-            <a:ext cx="9692640" cy="673891"/>
+            <a:off x="0" y="44805"/>
+            <a:ext cx="9692640" cy="557981"/>
           </a:xfrm>
         </p:spPr>
         <p:txBody>
@@ -3849,7 +3960,7 @@
             </a:r>
             <a:r>
               <a:rPr lang="en-IN" dirty="0" smtClean="0"/>
-              <a:t>iagram - Retailer</a:t>
+              <a:t>iagram – Salesperson</a:t>
             </a:r>
             <a:endParaRPr lang="en-IN" dirty="0"/>
           </a:p>
@@ -3858,7 +3969,7 @@
     </p:spTree>
     <p:extLst>
       <p:ext uri="{BB962C8B-B14F-4D97-AF65-F5344CB8AC3E}">
-        <p14:creationId xmlns:p14="http://schemas.microsoft.com/office/powerpoint/2010/main" val="3869478373"/>
+        <p14:creationId xmlns:p14="http://schemas.microsoft.com/office/powerpoint/2010/main" val="1262145390"/>
       </p:ext>
     </p:extLst>
   </p:cSld>
@@ -3885,9 +3996,39 @@
           <a:chExt cx="0" cy="0"/>
         </a:xfrm>
       </p:grpSpPr>
-      <p:sp>
-        <p:nvSpPr>
-          <p:cNvPr id="2" name="Title 1"/>
+      <p:pic>
+        <p:nvPicPr>
+          <p:cNvPr id="2" name="Picture 1" descr="A close up of a map&#10;&#10;Description generated with high confidence">
+            <a:extLst>
+              <a:ext uri="{FF2B5EF4-FFF2-40B4-BE49-F238E27FC236}">
+                <a16:creationId xmlns:lc="http://schemas.openxmlformats.org/drawingml/2006/lockedCanvas" xmlns:a16="http://schemas.microsoft.com/office/drawing/2014/main" xmlns="" id="{99EDCDC5-0C2B-4A72-AC70-4FBC0D1550DC}"/>
+              </a:ext>
+            </a:extLst>
+          </p:cNvPr>
+          <p:cNvPicPr>
+            <a:picLocks noChangeAspect="1"/>
+          </p:cNvPicPr>
+          <p:nvPr/>
+        </p:nvPicPr>
+        <p:blipFill>
+          <a:blip r:embed="rId2"/>
+          <a:stretch>
+            <a:fillRect/>
+          </a:stretch>
+        </p:blipFill>
+        <p:spPr>
+          <a:xfrm>
+            <a:off x="2467155" y="622825"/>
+            <a:ext cx="7257690" cy="5612350"/>
+          </a:xfrm>
+          <a:prstGeom prst="rect">
+            <a:avLst/>
+          </a:prstGeom>
+        </p:spPr>
+      </p:pic>
+      <p:sp>
+        <p:nvSpPr>
+          <p:cNvPr id="4" name="Title 3"/>
           <p:cNvSpPr>
             <a:spLocks noGrp="1"/>
           </p:cNvSpPr>
@@ -3895,124 +4036,38 @@
             <p:ph type="title"/>
           </p:nvPr>
         </p:nvSpPr>
-        <p:spPr/>
+        <p:spPr>
+          <a:xfrm>
+            <a:off x="0" y="0"/>
+            <a:ext cx="9692640" cy="673891"/>
+          </a:xfrm>
+        </p:spPr>
         <p:txBody>
           <a:bodyPr>
-            <a:normAutofit/>
+            <a:normAutofit fontScale="90000"/>
           </a:bodyPr>
           <a:lstStyle/>
           <a:p>
-            <a:pPr algn="ctr"/>
-            <a:r>
-              <a:rPr lang="en-IN" dirty="0" smtClean="0">
-                <a:latin typeface="Times New Roman" panose="02020603050405020304" pitchFamily="18" charset="0"/>
-                <a:cs typeface="Times New Roman" panose="02020603050405020304" pitchFamily="18" charset="0"/>
-              </a:rPr>
-              <a:t>EPIC – Salesman should accept offline orders</a:t>
-            </a:r>
-            <a:endParaRPr lang="en-IN" dirty="0">
-              <a:latin typeface="Times New Roman" panose="02020603050405020304" pitchFamily="18" charset="0"/>
-              <a:cs typeface="Times New Roman" panose="02020603050405020304" pitchFamily="18" charset="0"/>
-            </a:endParaRPr>
-          </a:p>
-        </p:txBody>
-      </p:sp>
-      <p:sp>
-        <p:nvSpPr>
-          <p:cNvPr id="3" name="Content Placeholder 2"/>
-          <p:cNvSpPr>
-            <a:spLocks noGrp="1"/>
-          </p:cNvSpPr>
-          <p:nvPr>
-            <p:ph idx="1"/>
-          </p:nvPr>
-        </p:nvSpPr>
-        <p:spPr/>
-        <p:txBody>
-          <a:bodyPr>
-            <a:normAutofit/>
-          </a:bodyPr>
-          <a:lstStyle/>
-          <a:p>
-            <a:pPr marL="0" indent="0">
-              <a:buNone/>
-            </a:pPr>
-            <a:endParaRPr lang="en-IN" dirty="0">
-              <a:latin typeface="Times New Roman" panose="02020603050405020304" pitchFamily="18" charset="0"/>
-              <a:cs typeface="Times New Roman" panose="02020603050405020304" pitchFamily="18" charset="0"/>
-            </a:endParaRPr>
-          </a:p>
-          <a:p>
-            <a:pPr marL="0" indent="0">
-              <a:buNone/>
-            </a:pPr>
-            <a:r>
-              <a:rPr lang="en-IN" u="sng" dirty="0" smtClean="0">
-                <a:latin typeface="Times New Roman" panose="02020603050405020304" pitchFamily="18" charset="0"/>
-                <a:cs typeface="Times New Roman" panose="02020603050405020304" pitchFamily="18" charset="0"/>
-              </a:rPr>
-              <a:t>User Stories:</a:t>
-            </a:r>
-            <a:endParaRPr lang="en-IN" dirty="0">
-              <a:latin typeface="Times New Roman" panose="02020603050405020304" pitchFamily="18" charset="0"/>
-              <a:cs typeface="Times New Roman" panose="02020603050405020304" pitchFamily="18" charset="0"/>
-            </a:endParaRPr>
-          </a:p>
-          <a:p>
-            <a:r>
-              <a:rPr lang="en-IN" dirty="0" smtClean="0">
-                <a:latin typeface="Times New Roman" panose="02020603050405020304" pitchFamily="18" charset="0"/>
-                <a:cs typeface="Times New Roman" panose="02020603050405020304" pitchFamily="18" charset="0"/>
-              </a:rPr>
-              <a:t>Salesman should be able to view a list of active offline orders</a:t>
-            </a:r>
-          </a:p>
-          <a:p>
-            <a:r>
-              <a:rPr lang="en-IN" dirty="0" smtClean="0">
-                <a:latin typeface="Times New Roman" panose="02020603050405020304" pitchFamily="18" charset="0"/>
-                <a:cs typeface="Times New Roman" panose="02020603050405020304" pitchFamily="18" charset="0"/>
-              </a:rPr>
-              <a:t>Salesman should be able to select an order for visit.</a:t>
-            </a:r>
-          </a:p>
-          <a:p>
-            <a:r>
-              <a:rPr lang="en-IN" dirty="0" smtClean="0">
-                <a:latin typeface="Times New Roman" panose="02020603050405020304" pitchFamily="18" charset="0"/>
-                <a:cs typeface="Times New Roman" panose="02020603050405020304" pitchFamily="18" charset="0"/>
-              </a:rPr>
-              <a:t>Salesman should be able to confirm order after visit and modify the order details if required.</a:t>
-            </a:r>
-          </a:p>
-          <a:p>
-            <a:r>
-              <a:rPr lang="en-IN" dirty="0" smtClean="0">
-                <a:latin typeface="Times New Roman" panose="02020603050405020304" pitchFamily="18" charset="0"/>
-                <a:cs typeface="Times New Roman" panose="02020603050405020304" pitchFamily="18" charset="0"/>
-              </a:rPr>
-              <a:t>Salesman should be able to update sales list using the order ID in case of confirmation.</a:t>
-            </a:r>
-          </a:p>
-          <a:p>
-            <a:r>
-              <a:rPr lang="en-IN" dirty="0" smtClean="0">
-                <a:latin typeface="Times New Roman" panose="02020603050405020304" pitchFamily="18" charset="0"/>
-                <a:cs typeface="Times New Roman" panose="02020603050405020304" pitchFamily="18" charset="0"/>
-              </a:rPr>
-              <a:t>Salesman should be able to view his sales history.</a:t>
-            </a:r>
-            <a:endParaRPr lang="en-IN" dirty="0">
-              <a:latin typeface="Times New Roman" panose="02020603050405020304" pitchFamily="18" charset="0"/>
-              <a:cs typeface="Times New Roman" panose="02020603050405020304" pitchFamily="18" charset="0"/>
-            </a:endParaRPr>
+            <a:r>
+              <a:rPr lang="en-IN" dirty="0" smtClean="0"/>
+              <a:t>Use Case </a:t>
+            </a:r>
+            <a:r>
+              <a:rPr lang="en-IN" dirty="0"/>
+              <a:t>D</a:t>
+            </a:r>
+            <a:r>
+              <a:rPr lang="en-IN" dirty="0" smtClean="0"/>
+              <a:t>iagram - Retailer</a:t>
+            </a:r>
+            <a:endParaRPr lang="en-IN" dirty="0"/>
           </a:p>
         </p:txBody>
       </p:sp>
     </p:spTree>
     <p:extLst>
       <p:ext uri="{BB962C8B-B14F-4D97-AF65-F5344CB8AC3E}">
-        <p14:creationId xmlns:p14="http://schemas.microsoft.com/office/powerpoint/2010/main" val="3884038034"/>
+        <p14:creationId xmlns:p14="http://schemas.microsoft.com/office/powerpoint/2010/main" val="3869478373"/>
       </p:ext>
     </p:extLst>
   </p:cSld>
@@ -4049,6 +4104,167 @@
             <p:ph type="title"/>
           </p:nvPr>
         </p:nvSpPr>
+        <p:spPr/>
+        <p:txBody>
+          <a:bodyPr>
+            <a:normAutofit/>
+          </a:bodyPr>
+          <a:lstStyle/>
+          <a:p>
+            <a:pPr algn="ctr"/>
+            <a:r>
+              <a:rPr lang="en-IN" dirty="0" smtClean="0">
+                <a:latin typeface="Times New Roman" panose="02020603050405020304" pitchFamily="18" charset="0"/>
+                <a:cs typeface="Times New Roman" panose="02020603050405020304" pitchFamily="18" charset="0"/>
+              </a:rPr>
+              <a:t>EPIC – Salesman should accept offline orders</a:t>
+            </a:r>
+            <a:endParaRPr lang="en-IN" dirty="0">
+              <a:latin typeface="Times New Roman" panose="02020603050405020304" pitchFamily="18" charset="0"/>
+              <a:cs typeface="Times New Roman" panose="02020603050405020304" pitchFamily="18" charset="0"/>
+            </a:endParaRPr>
+          </a:p>
+        </p:txBody>
+      </p:sp>
+      <p:sp>
+        <p:nvSpPr>
+          <p:cNvPr id="3" name="Content Placeholder 2"/>
+          <p:cNvSpPr>
+            <a:spLocks noGrp="1"/>
+          </p:cNvSpPr>
+          <p:nvPr>
+            <p:ph idx="1"/>
+          </p:nvPr>
+        </p:nvSpPr>
+        <p:spPr/>
+        <p:txBody>
+          <a:bodyPr>
+            <a:normAutofit/>
+          </a:bodyPr>
+          <a:lstStyle/>
+          <a:p>
+            <a:pPr marL="0" indent="0">
+              <a:buNone/>
+            </a:pPr>
+            <a:endParaRPr lang="en-IN" dirty="0">
+              <a:latin typeface="Times New Roman" panose="02020603050405020304" pitchFamily="18" charset="0"/>
+              <a:cs typeface="Times New Roman" panose="02020603050405020304" pitchFamily="18" charset="0"/>
+            </a:endParaRPr>
+          </a:p>
+          <a:p>
+            <a:pPr marL="0" indent="0">
+              <a:buNone/>
+            </a:pPr>
+            <a:r>
+              <a:rPr lang="en-IN" u="sng" dirty="0" smtClean="0">
+                <a:latin typeface="Times New Roman" panose="02020603050405020304" pitchFamily="18" charset="0"/>
+                <a:cs typeface="Times New Roman" panose="02020603050405020304" pitchFamily="18" charset="0"/>
+              </a:rPr>
+              <a:t>User Stories:</a:t>
+            </a:r>
+            <a:endParaRPr lang="en-IN" dirty="0">
+              <a:latin typeface="Times New Roman" panose="02020603050405020304" pitchFamily="18" charset="0"/>
+              <a:cs typeface="Times New Roman" panose="02020603050405020304" pitchFamily="18" charset="0"/>
+            </a:endParaRPr>
+          </a:p>
+          <a:p>
+            <a:r>
+              <a:rPr lang="en-IN" dirty="0" smtClean="0">
+                <a:latin typeface="Times New Roman" panose="02020603050405020304" pitchFamily="18" charset="0"/>
+                <a:cs typeface="Times New Roman" panose="02020603050405020304" pitchFamily="18" charset="0"/>
+              </a:rPr>
+              <a:t>Salesman should be able to view a list of active offline orders</a:t>
+            </a:r>
+          </a:p>
+          <a:p>
+            <a:r>
+              <a:rPr lang="en-IN" dirty="0" smtClean="0">
+                <a:latin typeface="Times New Roman" panose="02020603050405020304" pitchFamily="18" charset="0"/>
+                <a:cs typeface="Times New Roman" panose="02020603050405020304" pitchFamily="18" charset="0"/>
+              </a:rPr>
+              <a:t>Salesman should be able to select an order for visit.</a:t>
+            </a:r>
+          </a:p>
+          <a:p>
+            <a:r>
+              <a:rPr lang="en-IN" dirty="0" smtClean="0">
+                <a:latin typeface="Times New Roman" panose="02020603050405020304" pitchFamily="18" charset="0"/>
+                <a:cs typeface="Times New Roman" panose="02020603050405020304" pitchFamily="18" charset="0"/>
+              </a:rPr>
+              <a:t>Salesman should be able to confirm order after visit and modify the order details if required.</a:t>
+            </a:r>
+          </a:p>
+          <a:p>
+            <a:r>
+              <a:rPr lang="en-IN" dirty="0" smtClean="0">
+                <a:latin typeface="Times New Roman" panose="02020603050405020304" pitchFamily="18" charset="0"/>
+                <a:cs typeface="Times New Roman" panose="02020603050405020304" pitchFamily="18" charset="0"/>
+              </a:rPr>
+              <a:t>Salesman should be able to </a:t>
+            </a:r>
+            <a:r>
+              <a:rPr lang="en-IN" dirty="0" smtClean="0">
+                <a:latin typeface="Times New Roman" panose="02020603050405020304" pitchFamily="18" charset="0"/>
+                <a:cs typeface="Times New Roman" panose="02020603050405020304" pitchFamily="18" charset="0"/>
+              </a:rPr>
+              <a:t>confirm the final order.</a:t>
+            </a:r>
+            <a:endParaRPr lang="en-IN" dirty="0" smtClean="0">
+              <a:latin typeface="Times New Roman" panose="02020603050405020304" pitchFamily="18" charset="0"/>
+              <a:cs typeface="Times New Roman" panose="02020603050405020304" pitchFamily="18" charset="0"/>
+            </a:endParaRPr>
+          </a:p>
+          <a:p>
+            <a:pPr marL="0" indent="0">
+              <a:buNone/>
+            </a:pPr>
+            <a:endParaRPr lang="en-IN" dirty="0">
+              <a:latin typeface="Times New Roman" panose="02020603050405020304" pitchFamily="18" charset="0"/>
+              <a:cs typeface="Times New Roman" panose="02020603050405020304" pitchFamily="18" charset="0"/>
+            </a:endParaRPr>
+          </a:p>
+        </p:txBody>
+      </p:sp>
+    </p:spTree>
+    <p:extLst>
+      <p:ext uri="{BB962C8B-B14F-4D97-AF65-F5344CB8AC3E}">
+        <p14:creationId xmlns:p14="http://schemas.microsoft.com/office/powerpoint/2010/main" val="3884038034"/>
+      </p:ext>
+    </p:extLst>
+  </p:cSld>
+  <p:clrMapOvr>
+    <a:masterClrMapping/>
+  </p:clrMapOvr>
+</p:sld>
+</file>
+
+<file path=ppt/slides/slide7.xml><?xml version="1.0" encoding="utf-8"?>
+<p:sld xmlns:a="http://schemas.openxmlformats.org/drawingml/2006/main" xmlns:r="http://schemas.openxmlformats.org/officeDocument/2006/relationships" xmlns:p="http://schemas.openxmlformats.org/presentationml/2006/main">
+  <p:cSld>
+    <p:spTree>
+      <p:nvGrpSpPr>
+        <p:cNvPr id="1" name=""/>
+        <p:cNvGrpSpPr/>
+        <p:nvPr/>
+      </p:nvGrpSpPr>
+      <p:grpSpPr>
+        <a:xfrm>
+          <a:off x="0" y="0"/>
+          <a:ext cx="0" cy="0"/>
+          <a:chOff x="0" y="0"/>
+          <a:chExt cx="0" cy="0"/>
+        </a:xfrm>
+      </p:grpSpPr>
+      <p:sp>
+        <p:nvSpPr>
+          <p:cNvPr id="2" name="Title 1"/>
+          <p:cNvSpPr>
+            <a:spLocks noGrp="1"/>
+          </p:cNvSpPr>
+          <p:nvPr>
+            <p:ph type="title"/>
+          </p:nvPr>
+        </p:nvSpPr>
         <p:spPr>
           <a:xfrm>
             <a:off x="789368" y="0"/>
@@ -4078,7 +4294,7 @@
       </p:sp>
       <p:pic>
         <p:nvPicPr>
-          <p:cNvPr id="1026" name="Picture 2" descr="https://documents.lucidchart.com/documents/1d2ac6cb-27af-46db-b4b4-d7c658b712de/pages/0_0?a=605&amp;x=-41&amp;y=110&amp;w=1720&amp;h=1100&amp;store=1&amp;accept=image%2F*&amp;auth=LCA%20a7f13edf3af4fe6c4e90d14393fe480960072803-ts%3D1568553117"/>
+          <p:cNvPr id="1028" name="Picture 4" descr="https://documents.lucidchart.com/documents/1d2ac6cb-27af-46db-b4b4-d7c658b712de/pages/0_0?a=2044&amp;x=-41&amp;y=116&amp;w=1720&amp;h=968&amp;store=1&amp;accept=image%2F*&amp;auth=LCA%2036ebdc87cb49c0952cf94874f2865d5e05f810e6-ts%3D1568603061"/>
           <p:cNvPicPr>
             <a:picLocks noChangeAspect="1" noChangeArrowheads="1"/>
           </p:cNvPicPr>
@@ -4099,8 +4315,8 @@
         </p:blipFill>
         <p:spPr bwMode="auto">
           <a:xfrm>
-            <a:off x="1031384" y="1287887"/>
-            <a:ext cx="10031568" cy="5570113"/>
+            <a:off x="526277" y="1239067"/>
+            <a:ext cx="9984057" cy="5618934"/>
           </a:xfrm>
           <a:prstGeom prst="rect">
             <a:avLst/>
@@ -4130,7 +4346,7 @@
 </p:sld>
 </file>
 
-<file path=ppt/slides/slide7.xml><?xml version="1.0" encoding="utf-8"?>
+<file path=ppt/slides/slide8.xml><?xml version="1.0" encoding="utf-8"?>
 <p:sld xmlns:a="http://schemas.openxmlformats.org/drawingml/2006/main" xmlns:r="http://schemas.openxmlformats.org/officeDocument/2006/relationships" xmlns:p="http://schemas.openxmlformats.org/presentationml/2006/main">
   <p:cSld>
     <p:spTree>
@@ -4235,142 +4451,6 @@
 </p:sld>
 </file>
 
-<file path=ppt/slides/slide8.xml><?xml version="1.0" encoding="utf-8"?>
-<p:sld xmlns:a="http://schemas.openxmlformats.org/drawingml/2006/main" xmlns:r="http://schemas.openxmlformats.org/officeDocument/2006/relationships" xmlns:p="http://schemas.openxmlformats.org/presentationml/2006/main">
-  <p:cSld>
-    <p:spTree>
-      <p:nvGrpSpPr>
-        <p:cNvPr id="1" name=""/>
-        <p:cNvGrpSpPr/>
-        <p:nvPr/>
-      </p:nvGrpSpPr>
-      <p:grpSpPr>
-        <a:xfrm>
-          <a:off x="0" y="0"/>
-          <a:ext cx="0" cy="0"/>
-          <a:chOff x="0" y="0"/>
-          <a:chExt cx="0" cy="0"/>
-        </a:xfrm>
-      </p:grpSpPr>
-      <p:sp>
-        <p:nvSpPr>
-          <p:cNvPr id="2" name="Title 1"/>
-          <p:cNvSpPr>
-            <a:spLocks noGrp="1"/>
-          </p:cNvSpPr>
-          <p:nvPr>
-            <p:ph type="title"/>
-          </p:nvPr>
-        </p:nvSpPr>
-        <p:spPr/>
-        <p:txBody>
-          <a:bodyPr>
-            <a:normAutofit/>
-          </a:bodyPr>
-          <a:lstStyle/>
-          <a:p>
-            <a:pPr algn="ctr"/>
-            <a:r>
-              <a:rPr lang="en-IN" dirty="0" smtClean="0">
-                <a:latin typeface="Times New Roman" panose="02020603050405020304" pitchFamily="18" charset="0"/>
-                <a:cs typeface="Times New Roman" panose="02020603050405020304" pitchFamily="18" charset="0"/>
-              </a:rPr>
-              <a:t>EPIC – Salesman should upload offline orders</a:t>
-            </a:r>
-            <a:endParaRPr lang="en-IN" dirty="0">
-              <a:latin typeface="Times New Roman" panose="02020603050405020304" pitchFamily="18" charset="0"/>
-              <a:cs typeface="Times New Roman" panose="02020603050405020304" pitchFamily="18" charset="0"/>
-            </a:endParaRPr>
-          </a:p>
-        </p:txBody>
-      </p:sp>
-      <p:sp>
-        <p:nvSpPr>
-          <p:cNvPr id="3" name="Content Placeholder 2"/>
-          <p:cNvSpPr>
-            <a:spLocks noGrp="1"/>
-          </p:cNvSpPr>
-          <p:nvPr>
-            <p:ph idx="1"/>
-          </p:nvPr>
-        </p:nvSpPr>
-        <p:spPr/>
-        <p:txBody>
-          <a:bodyPr>
-            <a:normAutofit/>
-          </a:bodyPr>
-          <a:lstStyle/>
-          <a:p>
-            <a:pPr marL="0" indent="0">
-              <a:buNone/>
-            </a:pPr>
-            <a:endParaRPr lang="en-IN" dirty="0">
-              <a:latin typeface="Times New Roman" panose="02020603050405020304" pitchFamily="18" charset="0"/>
-              <a:cs typeface="Times New Roman" panose="02020603050405020304" pitchFamily="18" charset="0"/>
-            </a:endParaRPr>
-          </a:p>
-          <a:p>
-            <a:pPr marL="0" indent="0">
-              <a:buNone/>
-            </a:pPr>
-            <a:r>
-              <a:rPr lang="en-IN" u="sng" dirty="0" smtClean="0">
-                <a:latin typeface="Times New Roman" panose="02020603050405020304" pitchFamily="18" charset="0"/>
-                <a:cs typeface="Times New Roman" panose="02020603050405020304" pitchFamily="18" charset="0"/>
-              </a:rPr>
-              <a:t>User Stories:</a:t>
-            </a:r>
-            <a:endParaRPr lang="en-IN" dirty="0">
-              <a:latin typeface="Times New Roman" panose="02020603050405020304" pitchFamily="18" charset="0"/>
-              <a:cs typeface="Times New Roman" panose="02020603050405020304" pitchFamily="18" charset="0"/>
-            </a:endParaRPr>
-          </a:p>
-          <a:p>
-            <a:r>
-              <a:rPr lang="en-IN" dirty="0" smtClean="0">
-                <a:latin typeface="Times New Roman" panose="02020603050405020304" pitchFamily="18" charset="0"/>
-                <a:cs typeface="Times New Roman" panose="02020603050405020304" pitchFamily="18" charset="0"/>
-              </a:rPr>
-              <a:t>Salesman should be able to upload order details like product ID, name and quantity along with discount and total price.</a:t>
-            </a:r>
-          </a:p>
-          <a:p>
-            <a:r>
-              <a:rPr lang="en-IN" dirty="0" smtClean="0">
-                <a:latin typeface="Times New Roman" panose="02020603050405020304" pitchFamily="18" charset="0"/>
-                <a:cs typeface="Times New Roman" panose="02020603050405020304" pitchFamily="18" charset="0"/>
-              </a:rPr>
-              <a:t>Salesman should be able to update his sales list using the order ID from the previous task.</a:t>
-            </a:r>
-          </a:p>
-          <a:p>
-            <a:r>
-              <a:rPr lang="en-IN" dirty="0" smtClean="0">
-                <a:latin typeface="Times New Roman" panose="02020603050405020304" pitchFamily="18" charset="0"/>
-                <a:cs typeface="Times New Roman" panose="02020603050405020304" pitchFamily="18" charset="0"/>
-              </a:rPr>
-              <a:t>Salesman should be able to view his sales history.</a:t>
-            </a:r>
-            <a:endParaRPr lang="en-IN" dirty="0">
-              <a:latin typeface="Times New Roman" panose="02020603050405020304" pitchFamily="18" charset="0"/>
-              <a:cs typeface="Times New Roman" panose="02020603050405020304" pitchFamily="18" charset="0"/>
-            </a:endParaRPr>
-          </a:p>
-        </p:txBody>
-      </p:sp>
-    </p:spTree>
-    <p:extLst>
-      <p:ext uri="{BB962C8B-B14F-4D97-AF65-F5344CB8AC3E}">
-        <p14:creationId xmlns:p14="http://schemas.microsoft.com/office/powerpoint/2010/main" val="4046375498"/>
-      </p:ext>
-    </p:extLst>
-  </p:cSld>
-  <p:clrMapOvr>
-    <a:masterClrMapping/>
-  </p:clrMapOvr>
-</p:sld>
-</file>
-
 <file path=ppt/slides/slide9.xml><?xml version="1.0" encoding="utf-8"?>
 <p:sld xmlns:a="http://schemas.openxmlformats.org/drawingml/2006/main" xmlns:r="http://schemas.openxmlformats.org/officeDocument/2006/relationships" xmlns:p="http://schemas.openxmlformats.org/presentationml/2006/main">
   <p:cSld>
@@ -4398,12 +4478,7 @@
             <p:ph type="title"/>
           </p:nvPr>
         </p:nvSpPr>
-        <p:spPr>
-          <a:xfrm>
-            <a:off x="1031383" y="149068"/>
-            <a:ext cx="10515600" cy="1325563"/>
-          </a:xfrm>
-        </p:spPr>
+        <p:spPr/>
         <p:txBody>
           <a:bodyPr>
             <a:normAutofit/>
@@ -4416,7 +4491,7 @@
                 <a:latin typeface="Times New Roman" panose="02020603050405020304" pitchFamily="18" charset="0"/>
                 <a:cs typeface="Times New Roman" panose="02020603050405020304" pitchFamily="18" charset="0"/>
               </a:rPr>
-              <a:t>Sequence Diagram for Salesman to upload offline orders</a:t>
+              <a:t>EPIC – Salesman should upload offline orders</a:t>
             </a:r>
             <a:endParaRPr lang="en-IN" dirty="0">
               <a:latin typeface="Times New Roman" panose="02020603050405020304" pitchFamily="18" charset="0"/>
@@ -4425,51 +4500,98 @@
           </a:p>
         </p:txBody>
       </p:sp>
-      <p:pic>
-        <p:nvPicPr>
-          <p:cNvPr id="2050" name="Picture 2" descr="https://documents.lucidchart.com/documents/d46a9571-cc05-41a9-9c69-4d067ffa3e5d/pages/I44RcQTdrtw.?a=2254&amp;x=-41&amp;y=118&amp;w=1720&amp;h=924&amp;store=1&amp;accept=image%2F*&amp;auth=LCA%2095bdfe2a32115afd6a243fd0401312a745efb3dd-ts%3D1568554530"/>
-          <p:cNvPicPr>
-            <a:picLocks noChangeAspect="1" noChangeArrowheads="1"/>
-          </p:cNvPicPr>
-          <p:nvPr/>
-        </p:nvPicPr>
-        <p:blipFill>
-          <a:blip r:embed="rId2">
-            <a:extLst>
-              <a:ext uri="{28A0092B-C50C-407E-A947-70E740481C1C}">
-                <a14:useLocalDpi xmlns:a14="http://schemas.microsoft.com/office/drawing/2010/main" val="0"/>
-              </a:ext>
-            </a:extLst>
-          </a:blip>
-          <a:srcRect/>
-          <a:stretch>
-            <a:fillRect/>
-          </a:stretch>
-        </p:blipFill>
-        <p:spPr bwMode="auto">
-          <a:xfrm>
-            <a:off x="1031383" y="1474631"/>
-            <a:ext cx="9434634" cy="5068373"/>
-          </a:xfrm>
-          <a:prstGeom prst="rect">
-            <a:avLst/>
-          </a:prstGeom>
-          <a:noFill/>
-          <a:extLst>
-            <a:ext uri="{909E8E84-426E-40DD-AFC4-6F175D3DCCD1}">
-              <a14:hiddenFill xmlns:a14="http://schemas.microsoft.com/office/drawing/2010/main">
-                <a:solidFill>
-                  <a:srgbClr val="FFFFFF"/>
-                </a:solidFill>
-              </a14:hiddenFill>
-            </a:ext>
-          </a:extLst>
-        </p:spPr>
-      </p:pic>
+      <p:sp>
+        <p:nvSpPr>
+          <p:cNvPr id="3" name="Content Placeholder 2"/>
+          <p:cNvSpPr>
+            <a:spLocks noGrp="1"/>
+          </p:cNvSpPr>
+          <p:nvPr>
+            <p:ph idx="1"/>
+          </p:nvPr>
+        </p:nvSpPr>
+        <p:spPr/>
+        <p:txBody>
+          <a:bodyPr>
+            <a:normAutofit/>
+          </a:bodyPr>
+          <a:lstStyle/>
+          <a:p>
+            <a:pPr marL="0" indent="0">
+              <a:buNone/>
+            </a:pPr>
+            <a:endParaRPr lang="en-IN" dirty="0">
+              <a:latin typeface="Times New Roman" panose="02020603050405020304" pitchFamily="18" charset="0"/>
+              <a:cs typeface="Times New Roman" panose="02020603050405020304" pitchFamily="18" charset="0"/>
+            </a:endParaRPr>
+          </a:p>
+          <a:p>
+            <a:pPr marL="0" indent="0">
+              <a:buNone/>
+            </a:pPr>
+            <a:r>
+              <a:rPr lang="en-IN" u="sng" dirty="0" smtClean="0">
+                <a:latin typeface="Times New Roman" panose="02020603050405020304" pitchFamily="18" charset="0"/>
+                <a:cs typeface="Times New Roman" panose="02020603050405020304" pitchFamily="18" charset="0"/>
+              </a:rPr>
+              <a:t>User Stories:</a:t>
+            </a:r>
+            <a:endParaRPr lang="en-IN" dirty="0">
+              <a:latin typeface="Times New Roman" panose="02020603050405020304" pitchFamily="18" charset="0"/>
+              <a:cs typeface="Times New Roman" panose="02020603050405020304" pitchFamily="18" charset="0"/>
+            </a:endParaRPr>
+          </a:p>
+          <a:p>
+            <a:r>
+              <a:rPr lang="en-IN" dirty="0" smtClean="0">
+                <a:latin typeface="Times New Roman" panose="02020603050405020304" pitchFamily="18" charset="0"/>
+                <a:cs typeface="Times New Roman" panose="02020603050405020304" pitchFamily="18" charset="0"/>
+              </a:rPr>
+              <a:t>Salesman should be able to upload order details like product ID, name and quantity along with discount and total price.</a:t>
+            </a:r>
+          </a:p>
+          <a:p>
+            <a:r>
+              <a:rPr lang="en-IN" dirty="0" smtClean="0">
+                <a:latin typeface="Times New Roman" panose="02020603050405020304" pitchFamily="18" charset="0"/>
+                <a:cs typeface="Times New Roman" panose="02020603050405020304" pitchFamily="18" charset="0"/>
+              </a:rPr>
+              <a:t>Salesman should be able to update his sales list using the order ID from the previous task.</a:t>
+            </a:r>
+          </a:p>
+          <a:p>
+            <a:r>
+              <a:rPr lang="en-IN" dirty="0" smtClean="0">
+                <a:latin typeface="Times New Roman" panose="02020603050405020304" pitchFamily="18" charset="0"/>
+                <a:cs typeface="Times New Roman" panose="02020603050405020304" pitchFamily="18" charset="0"/>
+              </a:rPr>
+              <a:t>Salesman should be able to view </a:t>
+            </a:r>
+            <a:r>
+              <a:rPr lang="en-IN" dirty="0" smtClean="0">
+                <a:latin typeface="Times New Roman" panose="02020603050405020304" pitchFamily="18" charset="0"/>
+                <a:cs typeface="Times New Roman" panose="02020603050405020304" pitchFamily="18" charset="0"/>
+              </a:rPr>
+              <a:t>uploaded sales</a:t>
+            </a:r>
+            <a:r>
+              <a:rPr lang="en-IN" dirty="0" smtClean="0">
+                <a:latin typeface="Times New Roman" panose="02020603050405020304" pitchFamily="18" charset="0"/>
+                <a:cs typeface="Times New Roman" panose="02020603050405020304" pitchFamily="18" charset="0"/>
+              </a:rPr>
+              <a:t>.</a:t>
+            </a:r>
+            <a:endParaRPr lang="en-IN" dirty="0">
+              <a:latin typeface="Times New Roman" panose="02020603050405020304" pitchFamily="18" charset="0"/>
+              <a:cs typeface="Times New Roman" panose="02020603050405020304" pitchFamily="18" charset="0"/>
+            </a:endParaRPr>
+          </a:p>
+        </p:txBody>
+      </p:sp>
     </p:spTree>
     <p:extLst>
       <p:ext uri="{BB962C8B-B14F-4D97-AF65-F5344CB8AC3E}">
-        <p14:creationId xmlns:p14="http://schemas.microsoft.com/office/powerpoint/2010/main" val="3848257731"/>
+        <p14:creationId xmlns:p14="http://schemas.microsoft.com/office/powerpoint/2010/main" val="4046375498"/>
       </p:ext>
     </p:extLst>
   </p:cSld>

--- a/GreatOutdoors-Madhuri.pptx
+++ b/GreatOutdoors-Madhuri.pptx
@@ -15,6 +15,7 @@
     <p:sldId id="262" r:id="rId9"/>
     <p:sldId id="260" r:id="rId10"/>
     <p:sldId id="257" r:id="rId11"/>
+    <p:sldId id="267" r:id="rId12"/>
   </p:sldIdLst>
   <p:sldSz cx="12192000" cy="6858000"/>
   <p:notesSz cx="6858000" cy="9144000"/>
@@ -3691,6 +3692,59 @@
 </p:sld>
 </file>
 
+<file path=ppt/slides/slide11.xml><?xml version="1.0" encoding="utf-8"?>
+<p:sld xmlns:a="http://schemas.openxmlformats.org/drawingml/2006/main" xmlns:r="http://schemas.openxmlformats.org/officeDocument/2006/relationships" xmlns:p="http://schemas.openxmlformats.org/presentationml/2006/main">
+  <p:cSld>
+    <p:spTree>
+      <p:nvGrpSpPr>
+        <p:cNvPr id="1" name=""/>
+        <p:cNvGrpSpPr/>
+        <p:nvPr/>
+      </p:nvGrpSpPr>
+      <p:grpSpPr>
+        <a:xfrm>
+          <a:off x="0" y="0"/>
+          <a:ext cx="0" cy="0"/>
+          <a:chOff x="0" y="0"/>
+          <a:chExt cx="0" cy="0"/>
+        </a:xfrm>
+      </p:grpSpPr>
+      <p:sp>
+        <p:nvSpPr>
+          <p:cNvPr id="2" name="Title 1"/>
+          <p:cNvSpPr>
+            <a:spLocks noGrp="1"/>
+          </p:cNvSpPr>
+          <p:nvPr>
+            <p:ph type="ctrTitle"/>
+          </p:nvPr>
+        </p:nvSpPr>
+        <p:spPr/>
+        <p:txBody>
+          <a:bodyPr/>
+          <a:lstStyle/>
+          <a:p>
+            <a:r>
+              <a:rPr lang="en-US" dirty="0" smtClean="0"/>
+              <a:t>Thank you</a:t>
+            </a:r>
+            <a:endParaRPr lang="en-IN" dirty="0"/>
+          </a:p>
+        </p:txBody>
+      </p:sp>
+    </p:spTree>
+    <p:extLst>
+      <p:ext uri="{BB962C8B-B14F-4D97-AF65-F5344CB8AC3E}">
+        <p14:creationId xmlns:p14="http://schemas.microsoft.com/office/powerpoint/2010/main" val="2887416977"/>
+      </p:ext>
+    </p:extLst>
+  </p:cSld>
+  <p:clrMapOvr>
+    <a:masterClrMapping/>
+  </p:clrMapOvr>
+</p:sld>
+</file>
+
 <file path=ppt/slides/slide2.xml><?xml version="1.0" encoding="utf-8"?>
 <p:sld xmlns:a="http://schemas.openxmlformats.org/drawingml/2006/main" xmlns:r="http://schemas.openxmlformats.org/officeDocument/2006/relationships" xmlns:p="http://schemas.openxmlformats.org/presentationml/2006/main">
   <p:cSld>
@@ -3813,7 +3867,7 @@
           <p:cNvPr id="2" name="Picture 1" descr="A close up of a map&#10;&#10;Description generated with high confidence">
             <a:extLst>
               <a:ext uri="{FF2B5EF4-FFF2-40B4-BE49-F238E27FC236}">
-                <a16:creationId xmlns:lc="http://schemas.openxmlformats.org/drawingml/2006/lockedCanvas" xmlns:a16="http://schemas.microsoft.com/office/drawing/2014/main" xmlns="" id="{2CBA1176-2A8C-4BE9-99DB-2AE56931C657}"/>
+                <a16:creationId xmlns="" xmlns:a16="http://schemas.microsoft.com/office/drawing/2014/main" xmlns:lc="http://schemas.openxmlformats.org/drawingml/2006/lockedCanvas" id="{2CBA1176-2A8C-4BE9-99DB-2AE56931C657}"/>
               </a:ext>
             </a:extLst>
           </p:cNvPr>
@@ -3903,7 +3957,7 @@
           <p:cNvPr id="2" name="Picture 1" descr="A close up of a map&#10;&#10;Description generated with high confidence">
             <a:extLst>
               <a:ext uri="{FF2B5EF4-FFF2-40B4-BE49-F238E27FC236}">
-                <a16:creationId xmlns:lc="http://schemas.openxmlformats.org/drawingml/2006/lockedCanvas" xmlns:a16="http://schemas.microsoft.com/office/drawing/2014/main" xmlns="" id="{262376CC-5C18-41A2-8E11-40AD854DFE4C}"/>
+                <a16:creationId xmlns="" xmlns:a16="http://schemas.microsoft.com/office/drawing/2014/main" xmlns:lc="http://schemas.openxmlformats.org/drawingml/2006/lockedCanvas" id="{262376CC-5C18-41A2-8E11-40AD854DFE4C}"/>
               </a:ext>
             </a:extLst>
           </p:cNvPr>
@@ -4001,7 +4055,7 @@
           <p:cNvPr id="2" name="Picture 1" descr="A close up of a map&#10;&#10;Description generated with high confidence">
             <a:extLst>
               <a:ext uri="{FF2B5EF4-FFF2-40B4-BE49-F238E27FC236}">
-                <a16:creationId xmlns:lc="http://schemas.openxmlformats.org/drawingml/2006/lockedCanvas" xmlns:a16="http://schemas.microsoft.com/office/drawing/2014/main" xmlns="" id="{99EDCDC5-0C2B-4A72-AC70-4FBC0D1550DC}"/>
+                <a16:creationId xmlns="" xmlns:a16="http://schemas.microsoft.com/office/drawing/2014/main" xmlns:lc="http://schemas.openxmlformats.org/drawingml/2006/lockedCanvas" id="{99EDCDC5-0C2B-4A72-AC70-4FBC0D1550DC}"/>
               </a:ext>
             </a:extLst>
           </p:cNvPr>
@@ -4200,19 +4254,8 @@
                 <a:latin typeface="Times New Roman" panose="02020603050405020304" pitchFamily="18" charset="0"/>
                 <a:cs typeface="Times New Roman" panose="02020603050405020304" pitchFamily="18" charset="0"/>
               </a:rPr>
-              <a:t>Salesman should be able to </a:t>
-            </a:r>
-            <a:r>
-              <a:rPr lang="en-IN" dirty="0" smtClean="0">
-                <a:latin typeface="Times New Roman" panose="02020603050405020304" pitchFamily="18" charset="0"/>
-                <a:cs typeface="Times New Roman" panose="02020603050405020304" pitchFamily="18" charset="0"/>
-              </a:rPr>
-              <a:t>confirm the final order.</a:t>
-            </a:r>
-            <a:endParaRPr lang="en-IN" dirty="0" smtClean="0">
-              <a:latin typeface="Times New Roman" panose="02020603050405020304" pitchFamily="18" charset="0"/>
-              <a:cs typeface="Times New Roman" panose="02020603050405020304" pitchFamily="18" charset="0"/>
-            </a:endParaRPr>
+              <a:t>Salesman should be able to confirm the final order.</a:t>
+            </a:r>
           </a:p>
           <a:p>
             <a:pPr marL="0" indent="0">
@@ -4565,21 +4608,7 @@
                 <a:latin typeface="Times New Roman" panose="02020603050405020304" pitchFamily="18" charset="0"/>
                 <a:cs typeface="Times New Roman" panose="02020603050405020304" pitchFamily="18" charset="0"/>
               </a:rPr>
-              <a:t>Salesman should be able to view </a:t>
-            </a:r>
-            <a:r>
-              <a:rPr lang="en-IN" dirty="0" smtClean="0">
-                <a:latin typeface="Times New Roman" panose="02020603050405020304" pitchFamily="18" charset="0"/>
-                <a:cs typeface="Times New Roman" panose="02020603050405020304" pitchFamily="18" charset="0"/>
-              </a:rPr>
-              <a:t>uploaded sales</a:t>
-            </a:r>
-            <a:r>
-              <a:rPr lang="en-IN" dirty="0" smtClean="0">
-                <a:latin typeface="Times New Roman" panose="02020603050405020304" pitchFamily="18" charset="0"/>
-                <a:cs typeface="Times New Roman" panose="02020603050405020304" pitchFamily="18" charset="0"/>
-              </a:rPr>
-              <a:t>.</a:t>
+              <a:t>Salesman should be able to view uploaded sales.</a:t>
             </a:r>
             <a:endParaRPr lang="en-IN" dirty="0">
               <a:latin typeface="Times New Roman" panose="02020603050405020304" pitchFamily="18" charset="0"/>
